--- a/Final Project Timeline.pptx
+++ b/Final Project Timeline.pptx
@@ -118,8 +118,64 @@
 </p:presentation>
 </file>
 
+<file path=ppt/revisionInfo.xml><?xml version="1.0" encoding="utf-8"?>
+<p1510:revInfo xmlns:a="http://schemas.openxmlformats.org/drawingml/2006/main" xmlns:r="http://schemas.openxmlformats.org/officeDocument/2006/relationships" xmlns:p1510="http://schemas.microsoft.com/office/powerpoint/2015/10/main">
+  <p1510:revLst>
+    <p1510:client id="{F61A5569-4E5B-4A64-B487-443154850F1C}" v="2" dt="2022-05-25T07:38:15.878"/>
+  </p1510:revLst>
+</p1510:revInfo>
+</file>
+
 <file path=ppt/changesInfos/changesInfo1.xml><?xml version="1.0" encoding="utf-8"?>
 <pc:chgInfo xmlns:a="http://schemas.openxmlformats.org/drawingml/2006/main" xmlns:r="http://schemas.openxmlformats.org/officeDocument/2006/relationships" xmlns:ac="http://schemas.microsoft.com/office/drawing/2013/main/command" xmlns:pc="http://schemas.microsoft.com/office/powerpoint/2013/main/command">
+  <pc:docChgLst>
+    <pc:chgData name="I Wayan Fajar Surya Negara" userId="f1f45759-a0ca-4cb9-a90a-210b565b7188" providerId="ADAL" clId="{F61A5569-4E5B-4A64-B487-443154850F1C}"/>
+    <pc:docChg chg="undo custSel modSld">
+      <pc:chgData name="I Wayan Fajar Surya Negara" userId="f1f45759-a0ca-4cb9-a90a-210b565b7188" providerId="ADAL" clId="{F61A5569-4E5B-4A64-B487-443154850F1C}" dt="2022-05-25T07:38:33.581" v="49" actId="20577"/>
+      <pc:docMkLst>
+        <pc:docMk/>
+      </pc:docMkLst>
+      <pc:sldChg chg="addSp modSp mod">
+        <pc:chgData name="I Wayan Fajar Surya Negara" userId="f1f45759-a0ca-4cb9-a90a-210b565b7188" providerId="ADAL" clId="{F61A5569-4E5B-4A64-B487-443154850F1C}" dt="2022-05-25T07:38:33.581" v="49" actId="20577"/>
+        <pc:sldMkLst>
+          <pc:docMk/>
+          <pc:sldMk cId="2738489754" sldId="257"/>
+        </pc:sldMkLst>
+        <pc:spChg chg="add mod">
+          <ac:chgData name="I Wayan Fajar Surya Negara" userId="f1f45759-a0ca-4cb9-a90a-210b565b7188" providerId="ADAL" clId="{F61A5569-4E5B-4A64-B487-443154850F1C}" dt="2022-05-25T07:37:58.927" v="3" actId="14100"/>
+          <ac:spMkLst>
+            <pc:docMk/>
+            <pc:sldMk cId="2738489754" sldId="257"/>
+            <ac:spMk id="92" creationId="{BC845E59-C2BA-A9A4-1D16-D38FB5C05221}"/>
+          </ac:spMkLst>
+        </pc:spChg>
+        <pc:spChg chg="add mod">
+          <ac:chgData name="I Wayan Fajar Surya Negara" userId="f1f45759-a0ca-4cb9-a90a-210b565b7188" providerId="ADAL" clId="{F61A5569-4E5B-4A64-B487-443154850F1C}" dt="2022-05-25T07:38:33.581" v="49" actId="20577"/>
+          <ac:spMkLst>
+            <pc:docMk/>
+            <pc:sldMk cId="2738489754" sldId="257"/>
+            <ac:spMk id="94" creationId="{78A5136A-93EF-59B0-57C6-9D3068D8F18D}"/>
+          </ac:spMkLst>
+        </pc:spChg>
+        <pc:spChg chg="mod">
+          <ac:chgData name="I Wayan Fajar Surya Negara" userId="f1f45759-a0ca-4cb9-a90a-210b565b7188" providerId="ADAL" clId="{F61A5569-4E5B-4A64-B487-443154850F1C}" dt="2022-05-25T07:38:17.842" v="17" actId="1076"/>
+          <ac:spMkLst>
+            <pc:docMk/>
+            <pc:sldMk cId="2738489754" sldId="257"/>
+            <ac:spMk id="186" creationId="{C4E1DCDE-7980-4FEF-AD3C-1931CC87AB9F}"/>
+          </ac:spMkLst>
+        </pc:spChg>
+        <pc:spChg chg="mod">
+          <ac:chgData name="I Wayan Fajar Surya Negara" userId="f1f45759-a0ca-4cb9-a90a-210b565b7188" providerId="ADAL" clId="{F61A5569-4E5B-4A64-B487-443154850F1C}" dt="2022-05-25T07:37:46.190" v="0" actId="1076"/>
+          <ac:spMkLst>
+            <pc:docMk/>
+            <pc:sldMk cId="2738489754" sldId="257"/>
+            <ac:spMk id="210" creationId="{058AE435-1F45-4B7B-8E34-B4AABA51CC48}"/>
+          </ac:spMkLst>
+        </pc:spChg>
+      </pc:sldChg>
+    </pc:docChg>
+  </pc:docChgLst>
   <pc:docChgLst>
     <pc:chgData name="I Wayan Fajar Surya Negara" userId="f1f45759-a0ca-4cb9-a90a-210b565b7188" providerId="ADAL" clId="{D5FDC913-F89B-4F92-83EA-DCE3D0914A23}"/>
     <pc:docChg chg="custSel modSld">
@@ -321,7 +377,7 @@
           <a:p>
             <a:fld id="{F9BEC56E-D132-4654-A56F-4AF1E89C1D01}" type="datetimeFigureOut">
               <a:rPr lang="en-US" smtClean="0"/>
-              <a:t>3/2/2022</a:t>
+              <a:t>5/25/2022</a:t>
             </a:fld>
             <a:endParaRPr lang="en-US"/>
           </a:p>
@@ -2328,7 +2384,7 @@
         <p:spPr>
           <a:xfrm>
             <a:off x="4551309" y="2608748"/>
-            <a:ext cx="1272401" cy="153888"/>
+            <a:ext cx="1272401" cy="307777"/>
           </a:xfrm>
           <a:prstGeom prst="rect">
             <a:avLst/>
@@ -2351,8 +2407,19 @@
                   </a:schemeClr>
                 </a:solidFill>
               </a:rPr>
-              <a:t>On Going</a:t>
+              <a:t>Passed</a:t>
             </a:r>
+          </a:p>
+          <a:p>
+            <a:pPr algn="ctr"/>
+            <a:endParaRPr lang="en-ZA" sz="1000" dirty="0">
+              <a:solidFill>
+                <a:schemeClr val="tx1">
+                  <a:lumMod val="75000"/>
+                  <a:lumOff val="25000"/>
+                </a:schemeClr>
+              </a:solidFill>
+            </a:endParaRPr>
           </a:p>
         </p:txBody>
       </p:sp>
@@ -4323,7 +4390,7 @@
         </p:nvSpPr>
         <p:spPr>
           <a:xfrm>
-            <a:off x="4231756" y="2777593"/>
+            <a:off x="385949" y="6851006"/>
             <a:ext cx="2055383" cy="650967"/>
           </a:xfrm>
           <a:prstGeom prst="uturnArrow">
@@ -4871,6 +4938,106 @@
                 <a:schemeClr val="tx1"/>
               </a:solidFill>
             </a:endParaRPr>
+          </a:p>
+        </p:txBody>
+      </p:sp>
+      <p:sp>
+        <p:nvSpPr>
+          <p:cNvPr id="92" name="Arrow: U-Turn Milestone 1" title="Timeline Arrow">
+            <a:extLst>
+              <a:ext uri="{FF2B5EF4-FFF2-40B4-BE49-F238E27FC236}">
+                <a16:creationId xmlns:a16="http://schemas.microsoft.com/office/drawing/2014/main" id="{BC845E59-C2BA-A9A4-1D16-D38FB5C05221}"/>
+              </a:ext>
+            </a:extLst>
+          </p:cNvPr>
+          <p:cNvSpPr/>
+          <p:nvPr/>
+        </p:nvSpPr>
+        <p:spPr>
+          <a:xfrm>
+            <a:off x="4186240" y="2769234"/>
+            <a:ext cx="2173577" cy="650967"/>
+          </a:xfrm>
+          <a:prstGeom prst="uturnArrow">
+            <a:avLst>
+              <a:gd name="adj1" fmla="val 37244"/>
+              <a:gd name="adj2" fmla="val 18622"/>
+              <a:gd name="adj3" fmla="val 20252"/>
+              <a:gd name="adj4" fmla="val 52602"/>
+              <a:gd name="adj5" fmla="val 96832"/>
+            </a:avLst>
+          </a:prstGeom>
+          <a:ln/>
+        </p:spPr>
+        <p:style>
+          <a:lnRef idx="2">
+            <a:schemeClr val="accent3">
+              <a:shade val="50000"/>
+            </a:schemeClr>
+          </a:lnRef>
+          <a:fillRef idx="1">
+            <a:schemeClr val="accent3"/>
+          </a:fillRef>
+          <a:effectRef idx="0">
+            <a:schemeClr val="accent3"/>
+          </a:effectRef>
+          <a:fontRef idx="minor">
+            <a:schemeClr val="lt1"/>
+          </a:fontRef>
+        </p:style>
+        <p:txBody>
+          <a:bodyPr rtlCol="0" anchor="ctr"/>
+          <a:lstStyle/>
+          <a:p>
+            <a:pPr algn="ctr"/>
+            <a:endParaRPr lang="en-ZA">
+              <a:solidFill>
+                <a:schemeClr val="tx1"/>
+              </a:solidFill>
+            </a:endParaRPr>
+          </a:p>
+        </p:txBody>
+      </p:sp>
+      <p:sp>
+        <p:nvSpPr>
+          <p:cNvPr id="94" name="Duration 2" title="Duration Text">
+            <a:extLst>
+              <a:ext uri="{FF2B5EF4-FFF2-40B4-BE49-F238E27FC236}">
+                <a16:creationId xmlns:a16="http://schemas.microsoft.com/office/drawing/2014/main" id="{78A5136A-93EF-59B0-57C6-9D3068D8F18D}"/>
+              </a:ext>
+            </a:extLst>
+          </p:cNvPr>
+          <p:cNvSpPr txBox="1"/>
+          <p:nvPr/>
+        </p:nvSpPr>
+        <p:spPr>
+          <a:xfrm>
+            <a:off x="6618330" y="4590707"/>
+            <a:ext cx="1272401" cy="153888"/>
+          </a:xfrm>
+          <a:prstGeom prst="rect">
+            <a:avLst/>
+          </a:prstGeom>
+          <a:noFill/>
+        </p:spPr>
+        <p:txBody>
+          <a:bodyPr wrap="square" lIns="0" tIns="0" rIns="0" bIns="0" rtlCol="0">
+            <a:spAutoFit/>
+          </a:bodyPr>
+          <a:lstStyle/>
+          <a:p>
+            <a:pPr algn="ctr"/>
+            <a:r>
+              <a:rPr lang="en-ZA" sz="1000" dirty="0">
+                <a:solidFill>
+                  <a:schemeClr val="tx1">
+                    <a:lumMod val="75000"/>
+                    <a:lumOff val="25000"/>
+                  </a:schemeClr>
+                </a:solidFill>
+              </a:rPr>
+              <a:t>On Going</a:t>
+            </a:r>
           </a:p>
         </p:txBody>
       </p:sp>
@@ -5444,9 +5611,12 @@
 </file>
 
 <file path=customXml/item1.xml><?xml version="1.0" encoding="utf-8"?>
-<p:properties xmlns:p="http://schemas.microsoft.com/office/2006/metadata/properties" xmlns:xsi="http://www.w3.org/2001/XMLSchema-instance" xmlns:pc="http://schemas.microsoft.com/office/infopath/2007/PartnerControls">
-  <documentManagement/>
-</p:properties>
+<?mso-contentType ?>
+<FormTemplates xmlns="http://schemas.microsoft.com/sharepoint/v3/contenttype/forms">
+  <Display>DocumentLibraryForm</Display>
+  <Edit>DocumentLibraryForm</Edit>
+  <New>DocumentLibraryForm</New>
+</FormTemplates>
 </file>
 
 <file path=customXml/item2.xml><?xml version="1.0" encoding="utf-8"?>
@@ -5635,19 +5805,15 @@
 </file>
 
 <file path=customXml/item3.xml><?xml version="1.0" encoding="utf-8"?>
-<?mso-contentType ?>
-<FormTemplates xmlns="http://schemas.microsoft.com/sharepoint/v3/contenttype/forms">
-  <Display>DocumentLibraryForm</Display>
-  <Edit>DocumentLibraryForm</Edit>
-  <New>DocumentLibraryForm</New>
-</FormTemplates>
+<p:properties xmlns:p="http://schemas.microsoft.com/office/2006/metadata/properties" xmlns:xsi="http://www.w3.org/2001/XMLSchema-instance" xmlns:pc="http://schemas.microsoft.com/office/infopath/2007/PartnerControls">
+  <documentManagement/>
+</p:properties>
 </file>
 
 <file path=customXml/itemProps1.xml><?xml version="1.0" encoding="utf-8"?>
-<ds:datastoreItem xmlns:ds="http://schemas.openxmlformats.org/officeDocument/2006/customXml" ds:itemID="{88B0BFC8-0A8B-4BBB-ABD5-CF41F955155D}">
+<ds:datastoreItem xmlns:ds="http://schemas.openxmlformats.org/officeDocument/2006/customXml" ds:itemID="{A9845EAA-D5AC-4DCF-8343-9F287406F94C}">
   <ds:schemaRefs>
-    <ds:schemaRef ds:uri="http://schemas.microsoft.com/office/2006/metadata/properties"/>
-    <ds:schemaRef ds:uri="http://schemas.microsoft.com/office/infopath/2007/PartnerControls"/>
+    <ds:schemaRef ds:uri="http://schemas.microsoft.com/sharepoint/v3/contenttype/forms"/>
   </ds:schemaRefs>
 </ds:datastoreItem>
 </file>
@@ -5672,9 +5838,10 @@
 </file>
 
 <file path=customXml/itemProps3.xml><?xml version="1.0" encoding="utf-8"?>
-<ds:datastoreItem xmlns:ds="http://schemas.openxmlformats.org/officeDocument/2006/customXml" ds:itemID="{A9845EAA-D5AC-4DCF-8343-9F287406F94C}">
+<ds:datastoreItem xmlns:ds="http://schemas.openxmlformats.org/officeDocument/2006/customXml" ds:itemID="{88B0BFC8-0A8B-4BBB-ABD5-CF41F955155D}">
   <ds:schemaRefs>
-    <ds:schemaRef ds:uri="http://schemas.microsoft.com/sharepoint/v3/contenttype/forms"/>
+    <ds:schemaRef ds:uri="http://schemas.microsoft.com/office/2006/metadata/properties"/>
+    <ds:schemaRef ds:uri="http://schemas.microsoft.com/office/infopath/2007/PartnerControls"/>
   </ds:schemaRefs>
 </ds:datastoreItem>
 </file>